--- a/src/main/doc/papers/acta/figures.pptx
+++ b/src/main/doc/papers/acta/figures.pptx
@@ -3556,15 +3556,7 @@
             </a:r>
             <a:r>
               <a:rPr lang="en-US" dirty="0" smtClean="0"/>
-              <a:t>ove(dx, </a:t>
-            </a:r>
-            <a:r>
-              <a:rPr lang="en-US" dirty="0" err="1" smtClean="0"/>
-              <a:t>dy</a:t>
-            </a:r>
-            <a:r>
-              <a:rPr lang="en-US" dirty="0" smtClean="0"/>
-              <a:t>)</a:t>
+              <a:t>ove(dx, dy)</a:t>
             </a:r>
           </a:p>
         </p:txBody>
